--- a/Later/Java_Later/API/10/HTTP Message Structure.pptx
+++ b/Later/Java_Later/API/10/HTTP Message Structure.pptx
@@ -4438,7 +4438,6 @@
               <a:rPr lang="en-US" sz="1200" dirty="0"/>
               <a:t>HTTP Message Structure</a:t>
             </a:r>
-            <a:endParaRPr lang="en-US" sz="1200" dirty="0"/>
           </a:p>
         </p:txBody>
       </p:sp>
@@ -4614,7 +4613,7 @@
         </p:blipFill>
         <p:spPr>
           <a:xfrm>
-            <a:off x="1066800" y="1066800"/>
+            <a:off x="765175" y="990600"/>
             <a:ext cx="7564128" cy="3621061"/>
           </a:xfrm>
           <a:prstGeom prst="rect">
@@ -4879,7 +4878,6 @@
               <a:rPr lang="en-US" sz="1200" dirty="0"/>
               <a:t>HTTP Message Structure</a:t>
             </a:r>
-            <a:endParaRPr lang="en-US" sz="1200" dirty="0"/>
           </a:p>
         </p:txBody>
       </p:sp>
@@ -5595,7 +5593,6 @@
               <a:rPr lang="en-US" sz="1200" dirty="0"/>
               <a:t>HTTP Message Structure</a:t>
             </a:r>
-            <a:endParaRPr lang="en-US" sz="1200" dirty="0"/>
           </a:p>
         </p:txBody>
       </p:sp>
@@ -6197,7 +6194,6 @@
               <a:rPr lang="en-US" sz="1200" dirty="0"/>
               <a:t>HTTP Message Structure</a:t>
             </a:r>
-            <a:endParaRPr lang="en-US" sz="1200" dirty="0"/>
           </a:p>
         </p:txBody>
       </p:sp>
@@ -6695,7 +6691,6 @@
               <a:rPr lang="en-US" sz="1200" dirty="0"/>
               <a:t>HTTP Message Structure</a:t>
             </a:r>
-            <a:endParaRPr lang="en-US" sz="1200" dirty="0"/>
           </a:p>
         </p:txBody>
       </p:sp>
@@ -7333,7 +7328,6 @@
               <a:rPr lang="en-US" sz="1200" dirty="0"/>
               <a:t>HTTP Message Structure</a:t>
             </a:r>
-            <a:endParaRPr lang="en-US" sz="1200" dirty="0"/>
           </a:p>
         </p:txBody>
       </p:sp>
@@ -7896,7 +7890,6 @@
               <a:rPr lang="en-US" sz="1200" dirty="0"/>
               <a:t>HTTP Message Structure</a:t>
             </a:r>
-            <a:endParaRPr lang="en-US" sz="1200" dirty="0"/>
           </a:p>
         </p:txBody>
       </p:sp>
@@ -8394,7 +8387,6 @@
               <a:rPr lang="en-US" sz="1200" dirty="0"/>
               <a:t>HTTP Message Structure</a:t>
             </a:r>
-            <a:endParaRPr lang="en-US" sz="1200" dirty="0"/>
           </a:p>
         </p:txBody>
       </p:sp>
